--- a/app protocol analysis.pptx
+++ b/app protocol analysis.pptx
@@ -301,7 +301,7 @@
     </p:spTree>
     <p:extLst>
       <p:ext uri="{BB962C8B-B14F-4D97-AF65-F5344CB8AC3E}">
-        <p14:creationId xmlns:p14="http://schemas.microsoft.com/office/powerpoint/2010/main" xmlns="" val="752217958"/>
+        <p14:creationId xmlns="" xmlns:p14="http://schemas.microsoft.com/office/powerpoint/2010/main" val="752217958"/>
       </p:ext>
     </p:extLst>
   </p:cSld>
@@ -563,7 +563,7 @@
     </p:spTree>
     <p:extLst>
       <p:ext uri="{BB962C8B-B14F-4D97-AF65-F5344CB8AC3E}">
-        <p14:creationId xmlns:p14="http://schemas.microsoft.com/office/powerpoint/2010/main" xmlns="" val="817660201"/>
+        <p14:creationId xmlns="" xmlns:p14="http://schemas.microsoft.com/office/powerpoint/2010/main" val="817660201"/>
       </p:ext>
     </p:extLst>
   </p:cSld>
@@ -4376,11 +4376,7 @@
             <a:pPr algn="ctr"/>
             <a:r>
               <a:rPr lang="zh-CN" altLang="en-US" sz="1600" dirty="0" smtClean="0"/>
-              <a:t>王加</a:t>
-            </a:r>
-            <a:r>
-              <a:rPr lang="zh-CN" altLang="en-US" sz="1600" dirty="0" smtClean="0"/>
-              <a:t>水  </a:t>
+              <a:t>王加水  </a:t>
             </a:r>
             <a:endParaRPr lang="en-US" altLang="zh-CN" sz="1600" dirty="0" smtClean="0"/>
           </a:p>
@@ -4388,11 +4384,7 @@
             <a:pPr algn="ctr"/>
             <a:r>
               <a:rPr lang="en-US" altLang="zh-CN" sz="1600" dirty="0" smtClean="0"/>
-              <a:t> </a:t>
-            </a:r>
-            <a:r>
-              <a:rPr lang="en-US" altLang="zh-CN" sz="1600" dirty="0" smtClean="0"/>
-              <a:t> CTD </a:t>
+              <a:t>  CTD </a:t>
             </a:r>
             <a:r>
               <a:rPr lang="zh-CN" altLang="en-US" sz="1600" dirty="0" smtClean="0"/>
@@ -6599,15 +6591,31 @@
             </a:r>
             <a:r>
               <a:rPr lang="zh-CN" altLang="en-US" sz="1100" dirty="0" smtClean="0"/>
-              <a:t>是固定字符，</a:t>
+              <a:t>是</a:t>
+            </a:r>
+            <a:r>
+              <a:rPr lang="en-US" altLang="zh-CN" sz="1100" dirty="0" err="1" smtClean="0"/>
+              <a:t>ssl</a:t>
+            </a:r>
+            <a:r>
+              <a:rPr lang="zh-CN" altLang="en-US" sz="1100" dirty="0" smtClean="0"/>
+              <a:t>固定</a:t>
+            </a:r>
+            <a:r>
+              <a:rPr lang="zh-CN" altLang="en-US" sz="1100" dirty="0" smtClean="0"/>
+              <a:t>字符</a:t>
+            </a:r>
+            <a:r>
+              <a:rPr lang="zh-CN" altLang="en-US" sz="1100" dirty="0" smtClean="0"/>
+              <a:t>，</a:t>
             </a:r>
             <a:r>
               <a:rPr lang="en-US" altLang="zh-CN" sz="1100" dirty="0" smtClean="0"/>
-              <a:t>01</a:t>
-            </a:r>
-            <a:r>
-              <a:rPr lang="zh-CN" altLang="en-US" sz="1100" dirty="0" smtClean="0"/>
-              <a:t>像是控制字，后面是经过处理的数据</a:t>
+              <a:t>70</a:t>
+            </a:r>
+            <a:r>
+              <a:rPr lang="zh-CN" altLang="en-US" sz="1100" smtClean="0"/>
+              <a:t>是后面经过加密后的数据的长度</a:t>
             </a:r>
             <a:endParaRPr lang="en-US" altLang="zh-CN" sz="1100" dirty="0" smtClean="0"/>
           </a:p>
@@ -12544,22 +12552,14 @@
             </a:r>
             <a:r>
               <a:rPr lang="zh-CN" altLang="en-US" sz="1600" dirty="0" smtClean="0"/>
-              <a:t>流媒体，比如快播、风行、百度影音</a:t>
-            </a:r>
-            <a:r>
-              <a:rPr lang="zh-CN" altLang="en-US" sz="1600" dirty="0" smtClean="0"/>
-              <a:t>等</a:t>
+              <a:t>流媒体，比如快播、风行、百度影音等</a:t>
             </a:r>
             <a:endParaRPr lang="en-US" altLang="zh-CN" sz="1600" dirty="0" smtClean="0"/>
           </a:p>
           <a:p>
             <a:r>
               <a:rPr lang="en-US" altLang="zh-CN" sz="1600" dirty="0" smtClean="0"/>
-              <a:t> </a:t>
-            </a:r>
-            <a:r>
-              <a:rPr lang="en-US" altLang="zh-CN" sz="1600" dirty="0" smtClean="0"/>
-              <a:t>   7.</a:t>
+              <a:t>    7.</a:t>
             </a:r>
             <a:r>
               <a:rPr lang="zh-CN" altLang="en-US" sz="1600" dirty="0" smtClean="0"/>
@@ -14618,6 +14618,21 @@
 </file>
 
 <file path=customXml/item1.xml><?xml version="1.0" encoding="utf-8"?>
+<p:properties xmlns:p="http://schemas.microsoft.com/office/2006/metadata/properties" xmlns:xsi="http://www.w3.org/2001/XMLSchema-instance">
+  <documentManagement/>
+</p:properties>
+</file>
+
+<file path=customXml/item2.xml><?xml version="1.0" encoding="utf-8"?>
+<?mso-contentType ?>
+<FormTemplates xmlns="http://schemas.microsoft.com/sharepoint/v3/contenttype/forms">
+  <Display>DocumentLibraryForm</Display>
+  <Edit>DocumentLibraryForm</Edit>
+  <New>DocumentLibraryForm</New>
+</FormTemplates>
+</file>
+
+<file path=customXml/item3.xml><?xml version="1.0" encoding="utf-8"?>
 <ct:contentTypeSchema xmlns:ct="http://schemas.microsoft.com/office/2006/metadata/contentType" xmlns:ma="http://schemas.microsoft.com/office/2006/metadata/properties/metaAttributes" ct:_="" ma:_="" ma:contentTypeName="文档" ma:contentTypeID="0x010100B73800262A4FA145BD0CA523E8D719A9" ma:contentTypeVersion="1" ma:contentTypeDescription="新建文档。" ma:contentTypeScope="" ma:versionID="3565e779b7037ce77d98dd57353f192f">
   <xsd:schema xmlns:xsd="http://www.w3.org/2001/XMLSchema" xmlns:p="http://schemas.microsoft.com/office/2006/metadata/properties" targetNamespace="http://schemas.microsoft.com/office/2006/metadata/properties" ma:root="true" ma:fieldsID="b51e50da1bca0add1c6bbfbefcbaaafa">
     <xsd:element name="properties">
@@ -14666,32 +14681,10 @@
 </ct:contentTypeSchema>
 </file>
 
-<file path=customXml/item2.xml><?xml version="1.0" encoding="utf-8"?>
-<?mso-contentType ?>
-<FormTemplates xmlns="http://schemas.microsoft.com/sharepoint/v3/contenttype/forms">
-  <Display>DocumentLibraryForm</Display>
-  <Edit>DocumentLibraryForm</Edit>
-  <New>DocumentLibraryForm</New>
-</FormTemplates>
-</file>
-
-<file path=customXml/item3.xml><?xml version="1.0" encoding="utf-8"?>
-<p:properties xmlns:p="http://schemas.microsoft.com/office/2006/metadata/properties" xmlns:xsi="http://www.w3.org/2001/XMLSchema-instance">
-  <documentManagement/>
-</p:properties>
-</file>
-
 <file path=customXml/itemProps1.xml><?xml version="1.0" encoding="utf-8"?>
-<ds:datastoreItem xmlns:ds="http://schemas.openxmlformats.org/officeDocument/2006/customXml" ds:itemID="{6C69F3D2-9DAF-4AC2-A8EB-48CE3D4A6ECB}">
+<ds:datastoreItem xmlns:ds="http://schemas.openxmlformats.org/officeDocument/2006/customXml" ds:itemID="{FCD5B357-AA76-4155-B536-A6E4D963C16C}">
   <ds:schemaRefs>
-    <ds:schemaRef ds:uri="http://schemas.microsoft.com/office/2006/metadata/contentType"/>
-    <ds:schemaRef ds:uri="http://schemas.microsoft.com/office/2006/metadata/properties/metaAttributes"/>
-    <ds:schemaRef ds:uri="http://www.w3.org/2001/XMLSchema"/>
     <ds:schemaRef ds:uri="http://schemas.microsoft.com/office/2006/metadata/properties"/>
-    <ds:schemaRef ds:uri="http://schemas.openxmlformats.org/package/2006/metadata/core-properties"/>
-    <ds:schemaRef ds:uri="http://purl.org/dc/elements/1.1/"/>
-    <ds:schemaRef ds:uri="http://purl.org/dc/terms/"/>
-    <ds:schemaRef ds:uri="http://schemas.microsoft.com/office/internal/2005/internalDocumentation"/>
   </ds:schemaRefs>
 </ds:datastoreItem>
 </file>
@@ -14705,9 +14698,16 @@
 </file>
 
 <file path=customXml/itemProps3.xml><?xml version="1.0" encoding="utf-8"?>
-<ds:datastoreItem xmlns:ds="http://schemas.openxmlformats.org/officeDocument/2006/customXml" ds:itemID="{FCD5B357-AA76-4155-B536-A6E4D963C16C}">
+<ds:datastoreItem xmlns:ds="http://schemas.openxmlformats.org/officeDocument/2006/customXml" ds:itemID="{6C69F3D2-9DAF-4AC2-A8EB-48CE3D4A6ECB}">
   <ds:schemaRefs>
+    <ds:schemaRef ds:uri="http://schemas.microsoft.com/office/2006/metadata/contentType"/>
+    <ds:schemaRef ds:uri="http://schemas.microsoft.com/office/2006/metadata/properties/metaAttributes"/>
+    <ds:schemaRef ds:uri="http://www.w3.org/2001/XMLSchema"/>
     <ds:schemaRef ds:uri="http://schemas.microsoft.com/office/2006/metadata/properties"/>
+    <ds:schemaRef ds:uri="http://schemas.openxmlformats.org/package/2006/metadata/core-properties"/>
+    <ds:schemaRef ds:uri="http://purl.org/dc/elements/1.1/"/>
+    <ds:schemaRef ds:uri="http://purl.org/dc/terms/"/>
+    <ds:schemaRef ds:uri="http://schemas.microsoft.com/office/internal/2005/internalDocumentation"/>
   </ds:schemaRefs>
 </ds:datastoreItem>
 </file>
--- a/app protocol analysis.pptx
+++ b/app protocol analysis.pptx
@@ -301,7 +301,7 @@
     </p:spTree>
     <p:extLst>
       <p:ext uri="{BB962C8B-B14F-4D97-AF65-F5344CB8AC3E}">
-        <p14:creationId xmlns="" xmlns:p14="http://schemas.microsoft.com/office/powerpoint/2010/main" val="752217958"/>
+        <p14:creationId xmlns:p14="http://schemas.microsoft.com/office/powerpoint/2010/main" xmlns="" val="752217958"/>
       </p:ext>
     </p:extLst>
   </p:cSld>
@@ -563,7 +563,7 @@
     </p:spTree>
     <p:extLst>
       <p:ext uri="{BB962C8B-B14F-4D97-AF65-F5344CB8AC3E}">
-        <p14:creationId xmlns="" xmlns:p14="http://schemas.microsoft.com/office/powerpoint/2010/main" val="817660201"/>
+        <p14:creationId xmlns:p14="http://schemas.microsoft.com/office/powerpoint/2010/main" xmlns="" val="817660201"/>
       </p:ext>
     </p:extLst>
   </p:cSld>
@@ -6599,15 +6599,7 @@
             </a:r>
             <a:r>
               <a:rPr lang="zh-CN" altLang="en-US" sz="1100" dirty="0" smtClean="0"/>
-              <a:t>固定</a:t>
-            </a:r>
-            <a:r>
-              <a:rPr lang="zh-CN" altLang="en-US" sz="1100" dirty="0" smtClean="0"/>
-              <a:t>字符</a:t>
-            </a:r>
-            <a:r>
-              <a:rPr lang="zh-CN" altLang="en-US" sz="1100" dirty="0" smtClean="0"/>
-              <a:t>，</a:t>
+              <a:t>固定字符，</a:t>
             </a:r>
             <a:r>
               <a:rPr lang="en-US" altLang="zh-CN" sz="1100" dirty="0" smtClean="0"/>
@@ -8772,8 +8764,9 @@
           <a:p>
             <a:r>
               <a:rPr lang="en-US" altLang="zh-CN" sz="1200" dirty="0" smtClean="0"/>
-              <a:t>4.UUSEE</a:t>
-            </a:r>
+              <a:t>2.UUSEE</a:t>
+            </a:r>
+            <a:endParaRPr lang="en-US" altLang="zh-CN" sz="1200" dirty="0" smtClean="0"/>
           </a:p>
           <a:p>
             <a:endParaRPr lang="en-US" altLang="zh-CN" sz="1200" dirty="0" smtClean="0"/>
@@ -9006,7 +8999,11 @@
           <a:p>
             <a:r>
               <a:rPr lang="en-US" altLang="zh-CN" sz="1200" dirty="0" smtClean="0"/>
-              <a:t>5. </a:t>
+              <a:t>3</a:t>
+            </a:r>
+            <a:r>
+              <a:rPr lang="en-US" altLang="zh-CN" sz="1200" dirty="0" smtClean="0"/>
+              <a:t>. </a:t>
             </a:r>
             <a:r>
               <a:rPr lang="zh-CN" altLang="en-US" sz="1200" dirty="0" smtClean="0"/>
@@ -10195,7 +10192,7 @@
         <p:spPr>
           <a:xfrm>
             <a:off x="268288" y="705272"/>
-            <a:ext cx="9197280" cy="3231654"/>
+            <a:ext cx="9197280" cy="1938992"/>
           </a:xfrm>
           <a:prstGeom prst="rect">
             <a:avLst/>
@@ -10209,8 +10206,9 @@
           <a:p>
             <a:r>
               <a:rPr lang="en-US" altLang="zh-CN" sz="1200" dirty="0" smtClean="0"/>
-              <a:t>3.Flashget</a:t>
-            </a:r>
+              <a:t>2.Flashget</a:t>
+            </a:r>
+            <a:endParaRPr lang="en-US" altLang="zh-CN" sz="1200" dirty="0" smtClean="0"/>
           </a:p>
           <a:p>
             <a:endParaRPr lang="en-US" altLang="zh-CN" sz="1200" dirty="0" smtClean="0"/>
@@ -10244,99 +10242,6 @@
             <a:endParaRPr lang="en-US" altLang="zh-CN" sz="1200" dirty="0" smtClean="0"/>
           </a:p>
           <a:p>
-            <a:endParaRPr lang="en-US" altLang="zh-CN" sz="1200" dirty="0" smtClean="0"/>
-          </a:p>
-          <a:p>
-            <a:r>
-              <a:rPr lang="zh-CN" altLang="en-US" sz="1200" dirty="0" smtClean="0"/>
-              <a:t>另外协议数据包加密经常会存在各类加密算法，比如</a:t>
-            </a:r>
-            <a:r>
-              <a:rPr lang="en-US" altLang="zh-CN" sz="1200" dirty="0" smtClean="0"/>
-              <a:t>AES</a:t>
-            </a:r>
-            <a:r>
-              <a:rPr lang="zh-CN" altLang="en-US" sz="1200" dirty="0" smtClean="0"/>
-              <a:t>、</a:t>
-            </a:r>
-            <a:r>
-              <a:rPr lang="en-US" altLang="zh-CN" sz="1200" dirty="0" smtClean="0"/>
-              <a:t>3DES</a:t>
-            </a:r>
-            <a:r>
-              <a:rPr lang="zh-CN" altLang="en-US" sz="1200" dirty="0" smtClean="0"/>
-              <a:t>等等，</a:t>
-            </a:r>
-            <a:endParaRPr lang="en-US" altLang="zh-CN" sz="1200" dirty="0" smtClean="0"/>
-          </a:p>
-          <a:p>
-            <a:endParaRPr lang="en-US" altLang="zh-CN" sz="1200" dirty="0" smtClean="0"/>
-          </a:p>
-          <a:p>
-            <a:r>
-              <a:rPr lang="zh-CN" altLang="en-US" sz="1200" dirty="0" smtClean="0"/>
-              <a:t>其中迅雷从服务器获取多个下载资源地址就采用了</a:t>
-            </a:r>
-            <a:r>
-              <a:rPr lang="en-US" altLang="zh-CN" sz="1200" dirty="0" smtClean="0"/>
-              <a:t>AES</a:t>
-            </a:r>
-            <a:r>
-              <a:rPr lang="zh-CN" altLang="en-US" sz="1200" dirty="0" smtClean="0"/>
-              <a:t>算法，没有仔细去分析过</a:t>
-            </a:r>
-            <a:endParaRPr lang="en-US" altLang="zh-CN" sz="1200" dirty="0" smtClean="0"/>
-          </a:p>
-          <a:p>
-            <a:endParaRPr lang="en-US" altLang="zh-CN" sz="1200" dirty="0" smtClean="0"/>
-          </a:p>
-          <a:p>
-            <a:r>
-              <a:rPr lang="zh-CN" altLang="en-US" sz="1200" dirty="0" smtClean="0"/>
-              <a:t>一些相关的加密库必须去了解，比如</a:t>
-            </a:r>
-            <a:r>
-              <a:rPr lang="en-US" altLang="zh-CN" sz="1200" dirty="0" smtClean="0"/>
-              <a:t>windows</a:t>
-            </a:r>
-            <a:r>
-              <a:rPr lang="zh-CN" altLang="en-US" sz="1200" dirty="0" smtClean="0"/>
-              <a:t>的</a:t>
-            </a:r>
-            <a:r>
-              <a:rPr lang="en-US" altLang="zh-CN" sz="1200" dirty="0" smtClean="0"/>
-              <a:t>Crypto API</a:t>
-            </a:r>
-            <a:r>
-              <a:rPr lang="zh-CN" altLang="en-US" sz="1200" dirty="0" smtClean="0"/>
-              <a:t>、</a:t>
-            </a:r>
-            <a:r>
-              <a:rPr lang="en-US" altLang="zh-CN" sz="1200" dirty="0" err="1" smtClean="0"/>
-              <a:t>openssl</a:t>
-            </a:r>
-            <a:r>
-              <a:rPr lang="zh-CN" altLang="en-US" sz="1200" dirty="0" smtClean="0"/>
-              <a:t>、</a:t>
-            </a:r>
-            <a:r>
-              <a:rPr lang="en-US" altLang="zh-CN" sz="1200" dirty="0" smtClean="0"/>
-              <a:t>crypto++</a:t>
-            </a:r>
-            <a:r>
-              <a:rPr lang="zh-CN" altLang="en-US" sz="1200" dirty="0" smtClean="0"/>
-              <a:t>等</a:t>
-            </a:r>
-            <a:endParaRPr lang="en-US" altLang="zh-CN" sz="1200" dirty="0" smtClean="0"/>
-          </a:p>
-          <a:p>
-            <a:endParaRPr lang="en-US" altLang="zh-CN" sz="1200" dirty="0" smtClean="0"/>
-          </a:p>
-          <a:p>
-            <a:r>
-              <a:rPr lang="zh-CN" altLang="en-US" sz="1200" dirty="0" smtClean="0"/>
-              <a:t>目前算法逆向分析这块的水平还有待提高</a:t>
-            </a:r>
             <a:endParaRPr lang="en-US" altLang="zh-CN" sz="1200" dirty="0" smtClean="0"/>
           </a:p>
           <a:p>
@@ -10461,7 +10366,7 @@
           <a:p>
             <a:r>
               <a:rPr lang="en-US" altLang="zh-CN" sz="1200" dirty="0" smtClean="0"/>
-              <a:t>2.Thunder</a:t>
+              <a:t>3.Thunder</a:t>
             </a:r>
             <a:r>
               <a:rPr lang="zh-CN" altLang="en-US" sz="1200" dirty="0" smtClean="0"/>
@@ -14618,21 +14523,6 @@
 </file>
 
 <file path=customXml/item1.xml><?xml version="1.0" encoding="utf-8"?>
-<p:properties xmlns:p="http://schemas.microsoft.com/office/2006/metadata/properties" xmlns:xsi="http://www.w3.org/2001/XMLSchema-instance">
-  <documentManagement/>
-</p:properties>
-</file>
-
-<file path=customXml/item2.xml><?xml version="1.0" encoding="utf-8"?>
-<?mso-contentType ?>
-<FormTemplates xmlns="http://schemas.microsoft.com/sharepoint/v3/contenttype/forms">
-  <Display>DocumentLibraryForm</Display>
-  <Edit>DocumentLibraryForm</Edit>
-  <New>DocumentLibraryForm</New>
-</FormTemplates>
-</file>
-
-<file path=customXml/item3.xml><?xml version="1.0" encoding="utf-8"?>
 <ct:contentTypeSchema xmlns:ct="http://schemas.microsoft.com/office/2006/metadata/contentType" xmlns:ma="http://schemas.microsoft.com/office/2006/metadata/properties/metaAttributes" ct:_="" ma:_="" ma:contentTypeName="文档" ma:contentTypeID="0x010100B73800262A4FA145BD0CA523E8D719A9" ma:contentTypeVersion="1" ma:contentTypeDescription="新建文档。" ma:contentTypeScope="" ma:versionID="3565e779b7037ce77d98dd57353f192f">
   <xsd:schema xmlns:xsd="http://www.w3.org/2001/XMLSchema" xmlns:p="http://schemas.microsoft.com/office/2006/metadata/properties" targetNamespace="http://schemas.microsoft.com/office/2006/metadata/properties" ma:root="true" ma:fieldsID="b51e50da1bca0add1c6bbfbefcbaaafa">
     <xsd:element name="properties">
@@ -14681,10 +14571,32 @@
 </ct:contentTypeSchema>
 </file>
 
+<file path=customXml/item2.xml><?xml version="1.0" encoding="utf-8"?>
+<?mso-contentType ?>
+<FormTemplates xmlns="http://schemas.microsoft.com/sharepoint/v3/contenttype/forms">
+  <Display>DocumentLibraryForm</Display>
+  <Edit>DocumentLibraryForm</Edit>
+  <New>DocumentLibraryForm</New>
+</FormTemplates>
+</file>
+
+<file path=customXml/item3.xml><?xml version="1.0" encoding="utf-8"?>
+<p:properties xmlns:p="http://schemas.microsoft.com/office/2006/metadata/properties" xmlns:xsi="http://www.w3.org/2001/XMLSchema-instance">
+  <documentManagement/>
+</p:properties>
+</file>
+
 <file path=customXml/itemProps1.xml><?xml version="1.0" encoding="utf-8"?>
-<ds:datastoreItem xmlns:ds="http://schemas.openxmlformats.org/officeDocument/2006/customXml" ds:itemID="{FCD5B357-AA76-4155-B536-A6E4D963C16C}">
+<ds:datastoreItem xmlns:ds="http://schemas.openxmlformats.org/officeDocument/2006/customXml" ds:itemID="{6C69F3D2-9DAF-4AC2-A8EB-48CE3D4A6ECB}">
   <ds:schemaRefs>
+    <ds:schemaRef ds:uri="http://schemas.microsoft.com/office/2006/metadata/contentType"/>
+    <ds:schemaRef ds:uri="http://schemas.microsoft.com/office/2006/metadata/properties/metaAttributes"/>
+    <ds:schemaRef ds:uri="http://www.w3.org/2001/XMLSchema"/>
     <ds:schemaRef ds:uri="http://schemas.microsoft.com/office/2006/metadata/properties"/>
+    <ds:schemaRef ds:uri="http://schemas.openxmlformats.org/package/2006/metadata/core-properties"/>
+    <ds:schemaRef ds:uri="http://purl.org/dc/elements/1.1/"/>
+    <ds:schemaRef ds:uri="http://purl.org/dc/terms/"/>
+    <ds:schemaRef ds:uri="http://schemas.microsoft.com/office/internal/2005/internalDocumentation"/>
   </ds:schemaRefs>
 </ds:datastoreItem>
 </file>
@@ -14698,16 +14610,9 @@
 </file>
 
 <file path=customXml/itemProps3.xml><?xml version="1.0" encoding="utf-8"?>
-<ds:datastoreItem xmlns:ds="http://schemas.openxmlformats.org/officeDocument/2006/customXml" ds:itemID="{6C69F3D2-9DAF-4AC2-A8EB-48CE3D4A6ECB}">
+<ds:datastoreItem xmlns:ds="http://schemas.openxmlformats.org/officeDocument/2006/customXml" ds:itemID="{FCD5B357-AA76-4155-B536-A6E4D963C16C}">
   <ds:schemaRefs>
-    <ds:schemaRef ds:uri="http://schemas.microsoft.com/office/2006/metadata/contentType"/>
-    <ds:schemaRef ds:uri="http://schemas.microsoft.com/office/2006/metadata/properties/metaAttributes"/>
-    <ds:schemaRef ds:uri="http://www.w3.org/2001/XMLSchema"/>
     <ds:schemaRef ds:uri="http://schemas.microsoft.com/office/2006/metadata/properties"/>
-    <ds:schemaRef ds:uri="http://schemas.openxmlformats.org/package/2006/metadata/core-properties"/>
-    <ds:schemaRef ds:uri="http://purl.org/dc/elements/1.1/"/>
-    <ds:schemaRef ds:uri="http://purl.org/dc/terms/"/>
-    <ds:schemaRef ds:uri="http://schemas.microsoft.com/office/internal/2005/internalDocumentation"/>
   </ds:schemaRefs>
 </ds:datastoreItem>
 </file>
--- a/app protocol analysis.pptx
+++ b/app protocol analysis.pptx
@@ -5,10 +5,10 @@
     <p:sldMasterId id="2147483665" r:id="rId4"/>
   </p:sldMasterIdLst>
   <p:notesMasterIdLst>
-    <p:notesMasterId r:id="rId35"/>
+    <p:notesMasterId r:id="rId36"/>
   </p:notesMasterIdLst>
   <p:handoutMasterIdLst>
-    <p:handoutMasterId r:id="rId36"/>
+    <p:handoutMasterId r:id="rId37"/>
   </p:handoutMasterIdLst>
   <p:sldIdLst>
     <p:sldId id="284" r:id="rId5"/>
@@ -38,9 +38,10 @@
     <p:sldId id="326" r:id="rId29"/>
     <p:sldId id="324" r:id="rId30"/>
     <p:sldId id="325" r:id="rId31"/>
-    <p:sldId id="300" r:id="rId32"/>
-    <p:sldId id="302" r:id="rId33"/>
-    <p:sldId id="283" r:id="rId34"/>
+    <p:sldId id="327" r:id="rId32"/>
+    <p:sldId id="300" r:id="rId33"/>
+    <p:sldId id="302" r:id="rId34"/>
+    <p:sldId id="283" r:id="rId35"/>
   </p:sldIdLst>
   <p:sldSz cx="9753600" cy="7315200"/>
   <p:notesSz cx="6858000" cy="9144000"/>
@@ -301,7 +302,7 @@
     </p:spTree>
     <p:extLst>
       <p:ext uri="{BB962C8B-B14F-4D97-AF65-F5344CB8AC3E}">
-        <p14:creationId xmlns:p14="http://schemas.microsoft.com/office/powerpoint/2010/main" xmlns="" val="752217958"/>
+        <p14:creationId xmlns="" xmlns:p14="http://schemas.microsoft.com/office/powerpoint/2010/main" val="752217958"/>
       </p:ext>
     </p:extLst>
   </p:cSld>
@@ -563,7 +564,7 @@
     </p:spTree>
     <p:extLst>
       <p:ext uri="{BB962C8B-B14F-4D97-AF65-F5344CB8AC3E}">
-        <p14:creationId xmlns:p14="http://schemas.microsoft.com/office/powerpoint/2010/main" xmlns="" val="817660201"/>
+        <p14:creationId xmlns="" xmlns:p14="http://schemas.microsoft.com/office/powerpoint/2010/main" val="817660201"/>
       </p:ext>
     </p:extLst>
   </p:cSld>
@@ -2028,9 +2029,14 @@
           <a:bodyPr/>
           <a:lstStyle/>
           <a:p>
-            <a:fld id="{39ACC81A-4912-40B6-A30F-57B53E5A0117}" type="slidenum">
+            <a:pPr>
+              <a:defRPr/>
+            </a:pPr>
+            <a:fld id="{92E6947F-F2A1-47A7-971E-0065438415FB}" type="slidenum">
               <a:rPr lang="zh-CN" altLang="en-US" smtClean="0"/>
-              <a:pPr/>
+              <a:pPr>
+                <a:defRPr/>
+              </a:pPr>
               <a:t>28</a:t>
             </a:fld>
             <a:endParaRPr lang="zh-CN" altLang="en-US"/>
@@ -2192,6 +2198,88 @@
           <a:bodyPr/>
           <a:lstStyle/>
           <a:p>
+            <a:fld id="{39ACC81A-4912-40B6-A30F-57B53E5A0117}" type="slidenum">
+              <a:rPr lang="zh-CN" altLang="en-US" smtClean="0"/>
+              <a:pPr/>
+              <a:t>30</a:t>
+            </a:fld>
+            <a:endParaRPr lang="zh-CN" altLang="en-US"/>
+          </a:p>
+        </p:txBody>
+      </p:sp>
+    </p:spTree>
+  </p:cSld>
+  <p:clrMapOvr>
+    <a:masterClrMapping/>
+  </p:clrMapOvr>
+</p:notes>
+</file>
+
+<file path=ppt/notesSlides/notesSlide26.xml><?xml version="1.0" encoding="utf-8"?>
+<p:notes xmlns:a="http://schemas.openxmlformats.org/drawingml/2006/main" xmlns:r="http://schemas.openxmlformats.org/officeDocument/2006/relationships" xmlns:p="http://schemas.openxmlformats.org/presentationml/2006/main">
+  <p:cSld>
+    <p:spTree>
+      <p:nvGrpSpPr>
+        <p:cNvPr id="1" name=""/>
+        <p:cNvGrpSpPr/>
+        <p:nvPr/>
+      </p:nvGrpSpPr>
+      <p:grpSpPr>
+        <a:xfrm>
+          <a:off x="0" y="0"/>
+          <a:ext cx="0" cy="0"/>
+          <a:chOff x="0" y="0"/>
+          <a:chExt cx="0" cy="0"/>
+        </a:xfrm>
+      </p:grpSpPr>
+      <p:sp>
+        <p:nvSpPr>
+          <p:cNvPr id="2" name="幻灯片图像占位符 1"/>
+          <p:cNvSpPr>
+            <a:spLocks noGrp="1" noRot="1" noChangeAspect="1"/>
+          </p:cNvSpPr>
+          <p:nvPr>
+            <p:ph type="sldImg"/>
+          </p:nvPr>
+        </p:nvSpPr>
+        <p:spPr/>
+      </p:sp>
+      <p:sp>
+        <p:nvSpPr>
+          <p:cNvPr id="3" name="备注占位符 2"/>
+          <p:cNvSpPr>
+            <a:spLocks noGrp="1"/>
+          </p:cNvSpPr>
+          <p:nvPr>
+            <p:ph type="body" idx="1"/>
+          </p:nvPr>
+        </p:nvSpPr>
+        <p:spPr/>
+        <p:txBody>
+          <a:bodyPr>
+            <a:normAutofit/>
+          </a:bodyPr>
+          <a:lstStyle/>
+          <a:p>
+            <a:endParaRPr lang="zh-CN" altLang="en-US" dirty="0"/>
+          </a:p>
+        </p:txBody>
+      </p:sp>
+      <p:sp>
+        <p:nvSpPr>
+          <p:cNvPr id="4" name="灯片编号占位符 3"/>
+          <p:cNvSpPr>
+            <a:spLocks noGrp="1"/>
+          </p:cNvSpPr>
+          <p:nvPr>
+            <p:ph type="sldNum" sz="quarter" idx="10"/>
+          </p:nvPr>
+        </p:nvSpPr>
+        <p:spPr/>
+        <p:txBody>
+          <a:bodyPr/>
+          <a:lstStyle/>
+          <a:p>
             <a:pPr>
               <a:defRPr/>
             </a:pPr>
@@ -2200,7 +2288,7 @@
               <a:pPr>
                 <a:defRPr/>
               </a:pPr>
-              <a:t>30</a:t>
+              <a:t>31</a:t>
             </a:fld>
             <a:endParaRPr lang="zh-CN" altLang="en-US"/>
           </a:p>
@@ -8530,15 +8618,19 @@
           <a:p>
             <a:r>
               <a:rPr lang="en-US" altLang="zh-CN" sz="1200" dirty="0" smtClean="0"/>
-              <a:t>   short </a:t>
-            </a:r>
-            <a:r>
-              <a:rPr lang="en-US" altLang="zh-CN" sz="1200" dirty="0" err="1" smtClean="0"/>
-              <a:t>int</a:t>
-            </a:r>
-            <a:r>
-              <a:rPr lang="en-US" altLang="zh-CN" sz="1200" dirty="0" smtClean="0"/>
-              <a:t> fixed;//always 0x13</a:t>
+              <a:t>   </a:t>
+            </a:r>
+            <a:r>
+              <a:rPr lang="en-US" altLang="zh-CN" sz="1200" dirty="0" smtClean="0"/>
+              <a:t>char </a:t>
+            </a:r>
+            <a:r>
+              <a:rPr lang="en-US" altLang="zh-CN" sz="1200" dirty="0" smtClean="0"/>
+              <a:t>fixed</a:t>
+            </a:r>
+            <a:r>
+              <a:rPr lang="en-US" altLang="zh-CN" sz="1200" dirty="0" smtClean="0"/>
+              <a:t>;//always 0x13</a:t>
             </a:r>
             <a:endParaRPr lang="zh-CN" altLang="zh-CN" sz="1200" dirty="0" smtClean="0"/>
           </a:p>
@@ -8766,7 +8858,6 @@
               <a:rPr lang="en-US" altLang="zh-CN" sz="1200" dirty="0" smtClean="0"/>
               <a:t>2.UUSEE</a:t>
             </a:r>
-            <a:endParaRPr lang="en-US" altLang="zh-CN" sz="1200" dirty="0" smtClean="0"/>
           </a:p>
           <a:p>
             <a:endParaRPr lang="en-US" altLang="zh-CN" sz="1200" dirty="0" smtClean="0"/>
@@ -8985,7 +9076,7 @@
         <p:spPr>
           <a:xfrm>
             <a:off x="268288" y="705272"/>
-            <a:ext cx="9197280" cy="4524315"/>
+            <a:ext cx="9197280" cy="4154984"/>
           </a:xfrm>
           <a:prstGeom prst="rect">
             <a:avLst/>
@@ -8999,11 +9090,7 @@
           <a:p>
             <a:r>
               <a:rPr lang="en-US" altLang="zh-CN" sz="1200" dirty="0" smtClean="0"/>
-              <a:t>3</a:t>
-            </a:r>
-            <a:r>
-              <a:rPr lang="en-US" altLang="zh-CN" sz="1200" dirty="0" smtClean="0"/>
-              <a:t>. </a:t>
+              <a:t>3. </a:t>
             </a:r>
             <a:r>
               <a:rPr lang="zh-CN" altLang="en-US" sz="1200" dirty="0" smtClean="0"/>
@@ -9164,24 +9251,6 @@
             <a:endParaRPr lang="en-US" altLang="zh-CN" sz="1200" dirty="0" smtClean="0"/>
           </a:p>
           <a:p>
-            <a:endParaRPr lang="en-US" altLang="zh-CN" sz="1200" dirty="0" smtClean="0"/>
-          </a:p>
-          <a:p>
-            <a:endParaRPr lang="en-US" altLang="zh-CN" sz="1200" dirty="0" smtClean="0"/>
-          </a:p>
-          <a:p>
-            <a:r>
-              <a:rPr lang="zh-CN" altLang="en-US" sz="1200" dirty="0" smtClean="0"/>
-              <a:t>总结</a:t>
-            </a:r>
-            <a:r>
-              <a:rPr lang="en-US" altLang="zh-CN" sz="1200" dirty="0" smtClean="0"/>
-              <a:t>:</a:t>
-            </a:r>
-            <a:r>
-              <a:rPr lang="zh-CN" altLang="en-US" sz="1200" dirty="0" smtClean="0"/>
-              <a:t>探索未知的事物，还是充满了乐趣的。</a:t>
-            </a:r>
             <a:endParaRPr lang="en-US" altLang="zh-CN" sz="1200" dirty="0" smtClean="0"/>
           </a:p>
         </p:txBody>
@@ -10208,7 +10277,6 @@
               <a:rPr lang="en-US" altLang="zh-CN" sz="1200" dirty="0" smtClean="0"/>
               <a:t>2.Flashget</a:t>
             </a:r>
-            <a:endParaRPr lang="en-US" altLang="zh-CN" sz="1200" dirty="0" smtClean="0"/>
           </a:p>
           <a:p>
             <a:endParaRPr lang="en-US" altLang="zh-CN" sz="1200" dirty="0" smtClean="0"/>
@@ -10919,7 +10987,27 @@
             </a:r>
             <a:r>
               <a:rPr lang="zh-CN" altLang="en-US" sz="1200" dirty="0" smtClean="0"/>
-              <a:t>应用越趋于复杂，是个较为棘手的应用</a:t>
+              <a:t>应用越趋于复杂，是个较为棘手的</a:t>
+            </a:r>
+            <a:r>
+              <a:rPr lang="zh-CN" altLang="en-US" sz="1200" dirty="0" smtClean="0"/>
+              <a:t>应用</a:t>
+            </a:r>
+            <a:r>
+              <a:rPr lang="en-US" altLang="zh-CN" sz="1200" dirty="0" smtClean="0"/>
+              <a:t>,</a:t>
+            </a:r>
+            <a:r>
+              <a:rPr lang="zh-CN" altLang="en-US" sz="1200" dirty="0" smtClean="0"/>
+              <a:t>包括协议混淆，加密等等</a:t>
+            </a:r>
+            <a:r>
+              <a:rPr lang="en-US" altLang="zh-CN" sz="1200" dirty="0" smtClean="0"/>
+              <a:t>…</a:t>
+            </a:r>
+            <a:r>
+              <a:rPr lang="zh-CN" altLang="en-US" sz="1200" dirty="0" smtClean="0"/>
+              <a:t>路还很长</a:t>
             </a:r>
             <a:endParaRPr lang="zh-CN" altLang="zh-CN" sz="1200" dirty="0" smtClean="0"/>
           </a:p>
@@ -10960,6 +11048,157 @@
       </p:grpSpPr>
       <p:sp>
         <p:nvSpPr>
+          <p:cNvPr id="3" name="标题 2"/>
+          <p:cNvSpPr>
+            <a:spLocks noGrp="1"/>
+          </p:cNvSpPr>
+          <p:nvPr>
+            <p:ph type="title"/>
+          </p:nvPr>
+        </p:nvSpPr>
+        <p:spPr/>
+        <p:txBody>
+          <a:bodyPr/>
+          <a:lstStyle/>
+          <a:p>
+            <a:r>
+              <a:rPr lang="zh-CN" altLang="en-US" dirty="0" smtClean="0">
+                <a:latin typeface="+mj-ea"/>
+              </a:rPr>
+              <a:t>分析方法与相关实例</a:t>
+            </a:r>
+            <a:endParaRPr lang="zh-CN" altLang="zh-CN" dirty="0"/>
+          </a:p>
+        </p:txBody>
+      </p:sp>
+      <p:sp>
+        <p:nvSpPr>
+          <p:cNvPr id="8" name="矩形 7"/>
+          <p:cNvSpPr/>
+          <p:nvPr/>
+        </p:nvSpPr>
+        <p:spPr>
+          <a:xfrm>
+            <a:off x="268288" y="705272"/>
+            <a:ext cx="9197280" cy="3046988"/>
+          </a:xfrm>
+          <a:prstGeom prst="rect">
+            <a:avLst/>
+          </a:prstGeom>
+        </p:spPr>
+        <p:txBody>
+          <a:bodyPr wrap="square">
+            <a:spAutoFit/>
+          </a:bodyPr>
+          <a:lstStyle/>
+          <a:p>
+            <a:endParaRPr lang="en-US" altLang="zh-CN" sz="1200" dirty="0" smtClean="0"/>
+          </a:p>
+          <a:p>
+            <a:endParaRPr lang="en-US" altLang="zh-CN" sz="1200" dirty="0" smtClean="0"/>
+          </a:p>
+          <a:p>
+            <a:r>
+              <a:rPr lang="en-US" altLang="zh-CN" sz="2400" dirty="0" smtClean="0"/>
+              <a:t>P2P</a:t>
+            </a:r>
+            <a:r>
+              <a:rPr lang="zh-CN" altLang="en-US" sz="2400" dirty="0" smtClean="0"/>
+              <a:t>应用越趋于复杂，是个较为棘手的</a:t>
+            </a:r>
+            <a:r>
+              <a:rPr lang="zh-CN" altLang="en-US" sz="2400" dirty="0" smtClean="0"/>
+              <a:t>应用</a:t>
+            </a:r>
+            <a:r>
+              <a:rPr lang="en-US" altLang="zh-CN" sz="2400" dirty="0" smtClean="0"/>
+              <a:t>,</a:t>
+            </a:r>
+            <a:r>
+              <a:rPr lang="zh-CN" altLang="en-US" sz="2400" dirty="0" smtClean="0"/>
+              <a:t>譬如协议混淆，加密等等，路还很长</a:t>
+            </a:r>
+            <a:r>
+              <a:rPr lang="en-US" altLang="zh-CN" sz="2400" dirty="0" smtClean="0"/>
+              <a:t>……</a:t>
+            </a:r>
+          </a:p>
+          <a:p>
+            <a:endParaRPr lang="en-US" altLang="zh-CN" sz="2400" dirty="0" smtClean="0"/>
+          </a:p>
+          <a:p>
+            <a:endParaRPr lang="en-US" altLang="zh-CN" sz="2400" dirty="0" smtClean="0"/>
+          </a:p>
+          <a:p>
+            <a:endParaRPr lang="en-US" altLang="zh-CN" sz="2400" dirty="0" smtClean="0"/>
+          </a:p>
+          <a:p>
+            <a:endParaRPr lang="en-US" altLang="zh-CN" sz="2400" smtClean="0"/>
+          </a:p>
+          <a:p>
+            <a:r>
+              <a:rPr lang="zh-CN" altLang="en-US" sz="2400" smtClean="0"/>
+              <a:t>总结</a:t>
+            </a:r>
+            <a:r>
+              <a:rPr lang="en-US" altLang="zh-CN" sz="2400" dirty="0" smtClean="0"/>
+              <a:t>:</a:t>
+            </a:r>
+            <a:r>
+              <a:rPr lang="zh-CN" altLang="en-US" sz="2400" dirty="0" smtClean="0"/>
+              <a:t>探索未知的事物</a:t>
+            </a:r>
+            <a:r>
+              <a:rPr lang="zh-CN" altLang="en-US" sz="2400" dirty="0" smtClean="0"/>
+              <a:t>，充满</a:t>
+            </a:r>
+            <a:r>
+              <a:rPr lang="zh-CN" altLang="en-US" sz="2400" dirty="0" smtClean="0"/>
+              <a:t>了</a:t>
+            </a:r>
+            <a:r>
+              <a:rPr lang="zh-CN" altLang="en-US" sz="2400" dirty="0" smtClean="0"/>
+              <a:t>乐趣。</a:t>
+            </a:r>
+            <a:endParaRPr lang="en-US" altLang="zh-CN" sz="2400" dirty="0" smtClean="0"/>
+          </a:p>
+        </p:txBody>
+      </p:sp>
+    </p:spTree>
+  </p:cSld>
+  <p:clrMapOvr>
+    <a:masterClrMapping/>
+  </p:clrMapOvr>
+  <p:transition/>
+  <p:timing>
+    <p:tnLst>
+      <p:par>
+        <p:cTn id="1" dur="indefinite" restart="never" nodeType="tmRoot"/>
+      </p:par>
+    </p:tnLst>
+  </p:timing>
+</p:sld>
+</file>
+
+<file path=ppt/slides/slide29.xml><?xml version="1.0" encoding="utf-8"?>
+<p:sld xmlns:a="http://schemas.openxmlformats.org/drawingml/2006/main" xmlns:r="http://schemas.openxmlformats.org/officeDocument/2006/relationships" xmlns:p="http://schemas.openxmlformats.org/presentationml/2006/main">
+  <p:cSld>
+    <p:spTree>
+      <p:nvGrpSpPr>
+        <p:cNvPr id="1" name=""/>
+        <p:cNvGrpSpPr/>
+        <p:nvPr/>
+      </p:nvGrpSpPr>
+      <p:grpSpPr>
+        <a:xfrm>
+          <a:off x="0" y="0"/>
+          <a:ext cx="0" cy="0"/>
+          <a:chOff x="0" y="0"/>
+          <a:chExt cx="0" cy="0"/>
+        </a:xfrm>
+      </p:grpSpPr>
+      <p:sp>
+        <p:nvSpPr>
           <p:cNvPr id="2" name="标题 1"/>
           <p:cNvSpPr>
             <a:spLocks noGrp="1"/>
@@ -11378,138 +11617,6 @@
             <a:endParaRPr lang="zh-CN" altLang="en-US" dirty="0">
               <a:latin typeface="+mj-ea"/>
               <a:ea typeface="+mj-ea"/>
-            </a:endParaRPr>
-          </a:p>
-        </p:txBody>
-      </p:sp>
-    </p:spTree>
-  </p:cSld>
-  <p:clrMapOvr>
-    <a:masterClrMapping/>
-  </p:clrMapOvr>
-  <p:timing>
-    <p:tnLst>
-      <p:par>
-        <p:cTn id="1" dur="indefinite" restart="never" nodeType="tmRoot"/>
-      </p:par>
-    </p:tnLst>
-  </p:timing>
-</p:sld>
-</file>
-
-<file path=ppt/slides/slide29.xml><?xml version="1.0" encoding="utf-8"?>
-<p:sld xmlns:a="http://schemas.openxmlformats.org/drawingml/2006/main" xmlns:r="http://schemas.openxmlformats.org/officeDocument/2006/relationships" xmlns:p="http://schemas.openxmlformats.org/presentationml/2006/main">
-  <p:cSld>
-    <p:spTree>
-      <p:nvGrpSpPr>
-        <p:cNvPr id="1" name=""/>
-        <p:cNvGrpSpPr/>
-        <p:nvPr/>
-      </p:nvGrpSpPr>
-      <p:grpSpPr>
-        <a:xfrm>
-          <a:off x="0" y="0"/>
-          <a:ext cx="0" cy="0"/>
-          <a:chOff x="0" y="0"/>
-          <a:chExt cx="0" cy="0"/>
-        </a:xfrm>
-      </p:grpSpPr>
-      <p:sp>
-        <p:nvSpPr>
-          <p:cNvPr id="2" name="标题 1"/>
-          <p:cNvSpPr>
-            <a:spLocks noGrp="1"/>
-          </p:cNvSpPr>
-          <p:nvPr>
-            <p:ph type="title"/>
-          </p:nvPr>
-        </p:nvSpPr>
-        <p:spPr/>
-        <p:txBody>
-          <a:bodyPr/>
-          <a:lstStyle/>
-          <a:p>
-            <a:r>
-              <a:rPr lang="en-US" altLang="zh-CN" dirty="0" smtClean="0">
-                <a:latin typeface="+mj-ea"/>
-              </a:rPr>
-              <a:t>Q&amp;A</a:t>
-            </a:r>
-            <a:endParaRPr lang="zh-CN" altLang="en-US" dirty="0"/>
-          </a:p>
-        </p:txBody>
-      </p:sp>
-      <p:sp>
-        <p:nvSpPr>
-          <p:cNvPr id="10" name="矩形 9"/>
-          <p:cNvSpPr/>
-          <p:nvPr/>
-        </p:nvSpPr>
-        <p:spPr>
-          <a:xfrm>
-            <a:off x="4009416" y="3195935"/>
-            <a:ext cx="1734770" cy="923330"/>
-          </a:xfrm>
-          <a:prstGeom prst="rect">
-            <a:avLst/>
-          </a:prstGeom>
-          <a:noFill/>
-        </p:spPr>
-        <p:txBody>
-          <a:bodyPr wrap="none" lIns="91440" tIns="45720" rIns="91440" bIns="45720">
-            <a:spAutoFit/>
-          </a:bodyPr>
-          <a:lstStyle/>
-          <a:p>
-            <a:pPr algn="ctr"/>
-            <a:r>
-              <a:rPr lang="en-US" altLang="zh-CN" sz="5400" b="1" cap="none" spc="0" dirty="0" smtClean="0">
-                <a:ln w="12700">
-                  <a:solidFill>
-                    <a:schemeClr val="tx2">
-                      <a:satMod val="155000"/>
-                    </a:schemeClr>
-                  </a:solidFill>
-                  <a:prstDash val="solid"/>
-                </a:ln>
-                <a:solidFill>
-                  <a:schemeClr val="bg2">
-                    <a:tint val="85000"/>
-                    <a:satMod val="155000"/>
-                  </a:schemeClr>
-                </a:solidFill>
-                <a:effectLst>
-                  <a:outerShdw blurRad="41275" dist="20320" dir="1800000" algn="tl" rotWithShape="0">
-                    <a:srgbClr val="000000">
-                      <a:alpha val="40000"/>
-                    </a:srgbClr>
-                  </a:outerShdw>
-                </a:effectLst>
-              </a:rPr>
-              <a:t>Q&amp;A</a:t>
-            </a:r>
-            <a:endParaRPr lang="zh-CN" altLang="en-US" sz="5400" b="1" cap="none" spc="0" dirty="0">
-              <a:ln w="12700">
-                <a:solidFill>
-                  <a:schemeClr val="tx2">
-                    <a:satMod val="155000"/>
-                  </a:schemeClr>
-                </a:solidFill>
-                <a:prstDash val="solid"/>
-              </a:ln>
-              <a:solidFill>
-                <a:schemeClr val="bg2">
-                  <a:tint val="85000"/>
-                  <a:satMod val="155000"/>
-                </a:schemeClr>
-              </a:solidFill>
-              <a:effectLst>
-                <a:outerShdw blurRad="41275" dist="20320" dir="1800000" algn="tl" rotWithShape="0">
-                  <a:srgbClr val="000000">
-                    <a:alpha val="40000"/>
-                  </a:srgbClr>
-                </a:outerShdw>
-              </a:effectLst>
             </a:endParaRPr>
           </a:p>
         </p:txBody>
@@ -11837,6 +11944,138 @@
 </file>
 
 <file path=ppt/slides/slide30.xml><?xml version="1.0" encoding="utf-8"?>
+<p:sld xmlns:a="http://schemas.openxmlformats.org/drawingml/2006/main" xmlns:r="http://schemas.openxmlformats.org/officeDocument/2006/relationships" xmlns:p="http://schemas.openxmlformats.org/presentationml/2006/main">
+  <p:cSld>
+    <p:spTree>
+      <p:nvGrpSpPr>
+        <p:cNvPr id="1" name=""/>
+        <p:cNvGrpSpPr/>
+        <p:nvPr/>
+      </p:nvGrpSpPr>
+      <p:grpSpPr>
+        <a:xfrm>
+          <a:off x="0" y="0"/>
+          <a:ext cx="0" cy="0"/>
+          <a:chOff x="0" y="0"/>
+          <a:chExt cx="0" cy="0"/>
+        </a:xfrm>
+      </p:grpSpPr>
+      <p:sp>
+        <p:nvSpPr>
+          <p:cNvPr id="2" name="标题 1"/>
+          <p:cNvSpPr>
+            <a:spLocks noGrp="1"/>
+          </p:cNvSpPr>
+          <p:nvPr>
+            <p:ph type="title"/>
+          </p:nvPr>
+        </p:nvSpPr>
+        <p:spPr/>
+        <p:txBody>
+          <a:bodyPr/>
+          <a:lstStyle/>
+          <a:p>
+            <a:r>
+              <a:rPr lang="en-US" altLang="zh-CN" dirty="0" smtClean="0">
+                <a:latin typeface="+mj-ea"/>
+              </a:rPr>
+              <a:t>Q&amp;A</a:t>
+            </a:r>
+            <a:endParaRPr lang="zh-CN" altLang="en-US" dirty="0"/>
+          </a:p>
+        </p:txBody>
+      </p:sp>
+      <p:sp>
+        <p:nvSpPr>
+          <p:cNvPr id="10" name="矩形 9"/>
+          <p:cNvSpPr/>
+          <p:nvPr/>
+        </p:nvSpPr>
+        <p:spPr>
+          <a:xfrm>
+            <a:off x="4009416" y="3195935"/>
+            <a:ext cx="1734770" cy="923330"/>
+          </a:xfrm>
+          <a:prstGeom prst="rect">
+            <a:avLst/>
+          </a:prstGeom>
+          <a:noFill/>
+        </p:spPr>
+        <p:txBody>
+          <a:bodyPr wrap="none" lIns="91440" tIns="45720" rIns="91440" bIns="45720">
+            <a:spAutoFit/>
+          </a:bodyPr>
+          <a:lstStyle/>
+          <a:p>
+            <a:pPr algn="ctr"/>
+            <a:r>
+              <a:rPr lang="en-US" altLang="zh-CN" sz="5400" b="1" cap="none" spc="0" dirty="0" smtClean="0">
+                <a:ln w="12700">
+                  <a:solidFill>
+                    <a:schemeClr val="tx2">
+                      <a:satMod val="155000"/>
+                    </a:schemeClr>
+                  </a:solidFill>
+                  <a:prstDash val="solid"/>
+                </a:ln>
+                <a:solidFill>
+                  <a:schemeClr val="bg2">
+                    <a:tint val="85000"/>
+                    <a:satMod val="155000"/>
+                  </a:schemeClr>
+                </a:solidFill>
+                <a:effectLst>
+                  <a:outerShdw blurRad="41275" dist="20320" dir="1800000" algn="tl" rotWithShape="0">
+                    <a:srgbClr val="000000">
+                      <a:alpha val="40000"/>
+                    </a:srgbClr>
+                  </a:outerShdw>
+                </a:effectLst>
+              </a:rPr>
+              <a:t>Q&amp;A</a:t>
+            </a:r>
+            <a:endParaRPr lang="zh-CN" altLang="en-US" sz="5400" b="1" cap="none" spc="0" dirty="0">
+              <a:ln w="12700">
+                <a:solidFill>
+                  <a:schemeClr val="tx2">
+                    <a:satMod val="155000"/>
+                  </a:schemeClr>
+                </a:solidFill>
+                <a:prstDash val="solid"/>
+              </a:ln>
+              <a:solidFill>
+                <a:schemeClr val="bg2">
+                  <a:tint val="85000"/>
+                  <a:satMod val="155000"/>
+                </a:schemeClr>
+              </a:solidFill>
+              <a:effectLst>
+                <a:outerShdw blurRad="41275" dist="20320" dir="1800000" algn="tl" rotWithShape="0">
+                  <a:srgbClr val="000000">
+                    <a:alpha val="40000"/>
+                  </a:srgbClr>
+                </a:outerShdw>
+              </a:effectLst>
+            </a:endParaRPr>
+          </a:p>
+        </p:txBody>
+      </p:sp>
+    </p:spTree>
+  </p:cSld>
+  <p:clrMapOvr>
+    <a:masterClrMapping/>
+  </p:clrMapOvr>
+  <p:timing>
+    <p:tnLst>
+      <p:par>
+        <p:cTn id="1" dur="indefinite" restart="never" nodeType="tmRoot"/>
+      </p:par>
+    </p:tnLst>
+  </p:timing>
+</p:sld>
+</file>
+
+<file path=ppt/slides/slide31.xml><?xml version="1.0" encoding="utf-8"?>
 <p:sld xmlns:a="http://schemas.openxmlformats.org/drawingml/2006/main" xmlns:r="http://schemas.openxmlformats.org/officeDocument/2006/relationships" xmlns:p="http://schemas.openxmlformats.org/presentationml/2006/main">
   <p:cSld>
     <p:spTree>
@@ -14523,6 +14762,21 @@
 </file>
 
 <file path=customXml/item1.xml><?xml version="1.0" encoding="utf-8"?>
+<p:properties xmlns:p="http://schemas.microsoft.com/office/2006/metadata/properties" xmlns:xsi="http://www.w3.org/2001/XMLSchema-instance">
+  <documentManagement/>
+</p:properties>
+</file>
+
+<file path=customXml/item2.xml><?xml version="1.0" encoding="utf-8"?>
+<?mso-contentType ?>
+<FormTemplates xmlns="http://schemas.microsoft.com/sharepoint/v3/contenttype/forms">
+  <Display>DocumentLibraryForm</Display>
+  <Edit>DocumentLibraryForm</Edit>
+  <New>DocumentLibraryForm</New>
+</FormTemplates>
+</file>
+
+<file path=customXml/item3.xml><?xml version="1.0" encoding="utf-8"?>
 <ct:contentTypeSchema xmlns:ct="http://schemas.microsoft.com/office/2006/metadata/contentType" xmlns:ma="http://schemas.microsoft.com/office/2006/metadata/properties/metaAttributes" ct:_="" ma:_="" ma:contentTypeName="文档" ma:contentTypeID="0x010100B73800262A4FA145BD0CA523E8D719A9" ma:contentTypeVersion="1" ma:contentTypeDescription="新建文档。" ma:contentTypeScope="" ma:versionID="3565e779b7037ce77d98dd57353f192f">
   <xsd:schema xmlns:xsd="http://www.w3.org/2001/XMLSchema" xmlns:p="http://schemas.microsoft.com/office/2006/metadata/properties" targetNamespace="http://schemas.microsoft.com/office/2006/metadata/properties" ma:root="true" ma:fieldsID="b51e50da1bca0add1c6bbfbefcbaaafa">
     <xsd:element name="properties">
@@ -14571,32 +14825,10 @@
 </ct:contentTypeSchema>
 </file>
 
-<file path=customXml/item2.xml><?xml version="1.0" encoding="utf-8"?>
-<?mso-contentType ?>
-<FormTemplates xmlns="http://schemas.microsoft.com/sharepoint/v3/contenttype/forms">
-  <Display>DocumentLibraryForm</Display>
-  <Edit>DocumentLibraryForm</Edit>
-  <New>DocumentLibraryForm</New>
-</FormTemplates>
-</file>
-
-<file path=customXml/item3.xml><?xml version="1.0" encoding="utf-8"?>
-<p:properties xmlns:p="http://schemas.microsoft.com/office/2006/metadata/properties" xmlns:xsi="http://www.w3.org/2001/XMLSchema-instance">
-  <documentManagement/>
-</p:properties>
-</file>
-
 <file path=customXml/itemProps1.xml><?xml version="1.0" encoding="utf-8"?>
-<ds:datastoreItem xmlns:ds="http://schemas.openxmlformats.org/officeDocument/2006/customXml" ds:itemID="{6C69F3D2-9DAF-4AC2-A8EB-48CE3D4A6ECB}">
+<ds:datastoreItem xmlns:ds="http://schemas.openxmlformats.org/officeDocument/2006/customXml" ds:itemID="{FCD5B357-AA76-4155-B536-A6E4D963C16C}">
   <ds:schemaRefs>
-    <ds:schemaRef ds:uri="http://schemas.microsoft.com/office/2006/metadata/contentType"/>
-    <ds:schemaRef ds:uri="http://schemas.microsoft.com/office/2006/metadata/properties/metaAttributes"/>
-    <ds:schemaRef ds:uri="http://www.w3.org/2001/XMLSchema"/>
     <ds:schemaRef ds:uri="http://schemas.microsoft.com/office/2006/metadata/properties"/>
-    <ds:schemaRef ds:uri="http://schemas.openxmlformats.org/package/2006/metadata/core-properties"/>
-    <ds:schemaRef ds:uri="http://purl.org/dc/elements/1.1/"/>
-    <ds:schemaRef ds:uri="http://purl.org/dc/terms/"/>
-    <ds:schemaRef ds:uri="http://schemas.microsoft.com/office/internal/2005/internalDocumentation"/>
   </ds:schemaRefs>
 </ds:datastoreItem>
 </file>
@@ -14610,9 +14842,16 @@
 </file>
 
 <file path=customXml/itemProps3.xml><?xml version="1.0" encoding="utf-8"?>
-<ds:datastoreItem xmlns:ds="http://schemas.openxmlformats.org/officeDocument/2006/customXml" ds:itemID="{FCD5B357-AA76-4155-B536-A6E4D963C16C}">
+<ds:datastoreItem xmlns:ds="http://schemas.openxmlformats.org/officeDocument/2006/customXml" ds:itemID="{6C69F3D2-9DAF-4AC2-A8EB-48CE3D4A6ECB}">
   <ds:schemaRefs>
+    <ds:schemaRef ds:uri="http://schemas.microsoft.com/office/2006/metadata/contentType"/>
+    <ds:schemaRef ds:uri="http://schemas.microsoft.com/office/2006/metadata/properties/metaAttributes"/>
+    <ds:schemaRef ds:uri="http://www.w3.org/2001/XMLSchema"/>
     <ds:schemaRef ds:uri="http://schemas.microsoft.com/office/2006/metadata/properties"/>
+    <ds:schemaRef ds:uri="http://schemas.openxmlformats.org/package/2006/metadata/core-properties"/>
+    <ds:schemaRef ds:uri="http://purl.org/dc/elements/1.1/"/>
+    <ds:schemaRef ds:uri="http://purl.org/dc/terms/"/>
+    <ds:schemaRef ds:uri="http://schemas.microsoft.com/office/internal/2005/internalDocumentation"/>
   </ds:schemaRefs>
 </ds:datastoreItem>
 </file>
--- a/app protocol analysis.pptx
+++ b/app protocol analysis.pptx
@@ -302,7 +302,7 @@
     </p:spTree>
     <p:extLst>
       <p:ext uri="{BB962C8B-B14F-4D97-AF65-F5344CB8AC3E}">
-        <p14:creationId xmlns="" xmlns:p14="http://schemas.microsoft.com/office/powerpoint/2010/main" val="752217958"/>
+        <p14:creationId xmlns:p14="http://schemas.microsoft.com/office/powerpoint/2010/main" xmlns="" val="752217958"/>
       </p:ext>
     </p:extLst>
   </p:cSld>
@@ -564,7 +564,7 @@
     </p:spTree>
     <p:extLst>
       <p:ext uri="{BB962C8B-B14F-4D97-AF65-F5344CB8AC3E}">
-        <p14:creationId xmlns="" xmlns:p14="http://schemas.microsoft.com/office/powerpoint/2010/main" val="817660201"/>
+        <p14:creationId xmlns:p14="http://schemas.microsoft.com/office/powerpoint/2010/main" xmlns="" val="817660201"/>
       </p:ext>
     </p:extLst>
   </p:cSld>
@@ -5623,7 +5623,11 @@
           <a:p>
             <a:r>
               <a:rPr lang="zh-CN" altLang="en-US" dirty="0" smtClean="0"/>
-              <a:t>一般在纯净虚拟机中装软件来分析，防止一些无关的数据包影响分析</a:t>
+              <a:t>一般可以尝试在</a:t>
+            </a:r>
+            <a:r>
+              <a:rPr lang="zh-CN" altLang="en-US" dirty="0" smtClean="0"/>
+              <a:t>纯净虚拟机中装软件来分析，防止一些无关的数据包影响分析</a:t>
             </a:r>
             <a:endParaRPr lang="en-US" altLang="zh-CN" dirty="0" smtClean="0"/>
           </a:p>
@@ -6445,7 +6449,15 @@
             </a:r>
             <a:r>
               <a:rPr lang="zh-CN" altLang="en-US" sz="1600" dirty="0" smtClean="0"/>
-              <a:t> 众多尝试未成功后，可以进行逆向工程来分析协议结构，这是最耗时，可能会存在高功耗，低产出的结果。</a:t>
+              <a:t> 众多尝试未成功后，可以进行逆向工程来分析协议结构，这</a:t>
+            </a:r>
+            <a:r>
+              <a:rPr lang="zh-CN" altLang="en-US" sz="1600" dirty="0" smtClean="0"/>
+              <a:t>是比较耗时的，</a:t>
+            </a:r>
+            <a:r>
+              <a:rPr lang="zh-CN" altLang="en-US" sz="1600" dirty="0" smtClean="0"/>
+              <a:t>可能会存在高功耗，低产出的结果。</a:t>
             </a:r>
             <a:endParaRPr lang="en-US" altLang="zh-CN" sz="1600" dirty="0" smtClean="0"/>
           </a:p>
@@ -8618,19 +8630,7 @@
           <a:p>
             <a:r>
               <a:rPr lang="en-US" altLang="zh-CN" sz="1200" dirty="0" smtClean="0"/>
-              <a:t>   </a:t>
-            </a:r>
-            <a:r>
-              <a:rPr lang="en-US" altLang="zh-CN" sz="1200" dirty="0" smtClean="0"/>
-              <a:t>char </a:t>
-            </a:r>
-            <a:r>
-              <a:rPr lang="en-US" altLang="zh-CN" sz="1200" dirty="0" smtClean="0"/>
-              <a:t>fixed</a:t>
-            </a:r>
-            <a:r>
-              <a:rPr lang="en-US" altLang="zh-CN" sz="1200" dirty="0" smtClean="0"/>
-              <a:t>;//always 0x13</a:t>
+              <a:t>   char fixed;//always 0x13</a:t>
             </a:r>
             <a:endParaRPr lang="zh-CN" altLang="zh-CN" sz="1200" dirty="0" smtClean="0"/>
           </a:p>
@@ -9585,7 +9585,15 @@
           <a:p>
             <a:r>
               <a:rPr lang="zh-CN" altLang="en-US" sz="1600" dirty="0" smtClean="0"/>
-              <a:t>一些相关的加密库必须去了解，比如</a:t>
+              <a:t>一些相关的加密</a:t>
+            </a:r>
+            <a:r>
+              <a:rPr lang="zh-CN" altLang="en-US" sz="1600" dirty="0" smtClean="0"/>
+              <a:t>库需要去</a:t>
+            </a:r>
+            <a:r>
+              <a:rPr lang="zh-CN" altLang="en-US" sz="1600" dirty="0" smtClean="0"/>
+              <a:t>了解，比如</a:t>
             </a:r>
             <a:r>
               <a:rPr lang="en-US" altLang="zh-CN" sz="1600" dirty="0" smtClean="0"/>
@@ -9728,7 +9736,7 @@
         <p:spPr>
           <a:xfrm>
             <a:off x="340296" y="777281"/>
-            <a:ext cx="9197280" cy="6247864"/>
+            <a:ext cx="9197280" cy="5878532"/>
           </a:xfrm>
           <a:prstGeom prst="rect">
             <a:avLst/>
@@ -9758,23 +9766,11 @@
             </a:r>
             <a:r>
               <a:rPr lang="zh-CN" altLang="en-US" sz="1200" dirty="0" smtClean="0"/>
-              <a:t>百度影音</a:t>
-            </a:r>
-            <a:r>
-              <a:rPr lang="en-US" altLang="zh-CN" sz="1200" dirty="0" smtClean="0"/>
-              <a:t>---</a:t>
+              <a:t>百度影</a:t>
             </a:r>
             <a:r>
               <a:rPr lang="zh-CN" altLang="en-US" sz="1200" dirty="0" smtClean="0"/>
-              <a:t>近期分析的</a:t>
-            </a:r>
-            <a:r>
-              <a:rPr lang="en-US" altLang="zh-CN" sz="1200" dirty="0" smtClean="0"/>
-              <a:t>P2P</a:t>
-            </a:r>
-            <a:r>
-              <a:rPr lang="zh-CN" altLang="en-US" sz="1200" dirty="0" smtClean="0"/>
-              <a:t>应用</a:t>
+              <a:t>音</a:t>
             </a:r>
             <a:endParaRPr lang="en-US" altLang="zh-CN" sz="1200" dirty="0" smtClean="0"/>
           </a:p>
@@ -9895,7 +9891,19 @@
           <a:p>
             <a:r>
               <a:rPr lang="zh-CN" altLang="en-US" sz="1200" dirty="0" smtClean="0"/>
-              <a:t>通过跟踪调试会发现前四个字节是第五个字节经过</a:t>
+              <a:t>通过跟踪调试会发现前四个字节是第五个</a:t>
+            </a:r>
+            <a:r>
+              <a:rPr lang="zh-CN" altLang="en-US" sz="1200" dirty="0" smtClean="0"/>
+              <a:t>字节跟包长减</a:t>
+            </a:r>
+            <a:r>
+              <a:rPr lang="en-US" altLang="zh-CN" sz="1200" dirty="0" smtClean="0"/>
+              <a:t>4</a:t>
+            </a:r>
+            <a:r>
+              <a:rPr lang="zh-CN" altLang="en-US" sz="1200" dirty="0" smtClean="0"/>
+              <a:t>经过</a:t>
             </a:r>
             <a:r>
               <a:rPr lang="en-US" altLang="zh-CN" sz="1200" dirty="0" smtClean="0"/>
@@ -10131,36 +10139,6 @@
           </a:p>
           <a:p>
             <a:endParaRPr lang="en-US" altLang="zh-CN" sz="1200" dirty="0" smtClean="0"/>
-          </a:p>
-          <a:p>
-            <a:r>
-              <a:rPr lang="zh-CN" altLang="en-US" sz="1200" dirty="0" smtClean="0"/>
-              <a:t>备注</a:t>
-            </a:r>
-            <a:r>
-              <a:rPr lang="en-US" altLang="zh-CN" sz="1200" dirty="0" smtClean="0"/>
-              <a:t>:</a:t>
-            </a:r>
-            <a:r>
-              <a:rPr lang="zh-CN" altLang="en-US" sz="1200" dirty="0" smtClean="0"/>
-              <a:t>百度影音存在主程序与后台</a:t>
-            </a:r>
-            <a:r>
-              <a:rPr lang="en-US" altLang="zh-CN" sz="1200" dirty="0" smtClean="0"/>
-              <a:t>P2P</a:t>
-            </a:r>
-            <a:r>
-              <a:rPr lang="zh-CN" altLang="en-US" sz="1200" dirty="0" smtClean="0"/>
-              <a:t>进程间某种通信的方式，一挂上调试器就没法启动下载，</a:t>
-            </a:r>
-            <a:endParaRPr lang="en-US" altLang="zh-CN" sz="1200" dirty="0" smtClean="0"/>
-          </a:p>
-          <a:p>
-            <a:r>
-              <a:rPr lang="zh-CN" altLang="en-US" sz="1200" dirty="0" smtClean="0"/>
-              <a:t>需要在下载时挂上去</a:t>
-            </a:r>
-            <a:endParaRPr lang="zh-CN" altLang="zh-CN" sz="1200" dirty="0" smtClean="0"/>
           </a:p>
         </p:txBody>
       </p:sp>
@@ -10631,7 +10609,7 @@
         <p:spPr>
           <a:xfrm>
             <a:off x="268288" y="705272"/>
-            <a:ext cx="9197280" cy="6609928"/>
+            <a:ext cx="9197280" cy="6278642"/>
           </a:xfrm>
           <a:prstGeom prst="rect">
             <a:avLst/>
@@ -10973,43 +10951,13 @@
           <a:p>
             <a:r>
               <a:rPr lang="zh-CN" altLang="en-US" sz="1200" dirty="0" smtClean="0"/>
-              <a:t>反正无论使用什么手段，都必须保证先能够阻断识别出来，记住著名应用软件版本号，更新快</a:t>
+              <a:t>反正无论使用什么手段，都必须保证先能够阻断识别出来，记住著名应用软件版本号，更新</a:t>
+            </a:r>
+            <a:r>
+              <a:rPr lang="zh-CN" altLang="en-US" sz="1200" dirty="0" smtClean="0"/>
+              <a:t>快</a:t>
             </a:r>
             <a:endParaRPr lang="en-US" altLang="zh-CN" sz="1200" dirty="0" smtClean="0"/>
-          </a:p>
-          <a:p>
-            <a:endParaRPr lang="en-US" altLang="zh-CN" sz="1200" dirty="0" smtClean="0"/>
-          </a:p>
-          <a:p>
-            <a:r>
-              <a:rPr lang="en-US" altLang="zh-CN" sz="1200" dirty="0" smtClean="0"/>
-              <a:t>P2P</a:t>
-            </a:r>
-            <a:r>
-              <a:rPr lang="zh-CN" altLang="en-US" sz="1200" dirty="0" smtClean="0"/>
-              <a:t>应用越趋于复杂，是个较为棘手的</a:t>
-            </a:r>
-            <a:r>
-              <a:rPr lang="zh-CN" altLang="en-US" sz="1200" dirty="0" smtClean="0"/>
-              <a:t>应用</a:t>
-            </a:r>
-            <a:r>
-              <a:rPr lang="en-US" altLang="zh-CN" sz="1200" dirty="0" smtClean="0"/>
-              <a:t>,</a:t>
-            </a:r>
-            <a:r>
-              <a:rPr lang="zh-CN" altLang="en-US" sz="1200" dirty="0" smtClean="0"/>
-              <a:t>包括协议混淆，加密等等</a:t>
-            </a:r>
-            <a:r>
-              <a:rPr lang="en-US" altLang="zh-CN" sz="1200" dirty="0" smtClean="0"/>
-              <a:t>…</a:t>
-            </a:r>
-            <a:r>
-              <a:rPr lang="zh-CN" altLang="en-US" sz="1200" dirty="0" smtClean="0"/>
-              <a:t>路还很长</a:t>
-            </a:r>
-            <a:endParaRPr lang="zh-CN" altLang="zh-CN" sz="1200" dirty="0" smtClean="0"/>
           </a:p>
         </p:txBody>
       </p:sp>
@@ -11104,11 +11052,7 @@
             </a:r>
             <a:r>
               <a:rPr lang="zh-CN" altLang="en-US" sz="2400" dirty="0" smtClean="0"/>
-              <a:t>应用越趋于复杂，是个较为棘手的</a:t>
-            </a:r>
-            <a:r>
-              <a:rPr lang="zh-CN" altLang="en-US" sz="2400" dirty="0" smtClean="0"/>
-              <a:t>应用</a:t>
+              <a:t>应用越趋于复杂，是个较为棘手的应用</a:t>
             </a:r>
             <a:r>
               <a:rPr lang="en-US" altLang="zh-CN" sz="2400" dirty="0" smtClean="0"/>
@@ -11146,19 +11090,7 @@
             </a:r>
             <a:r>
               <a:rPr lang="zh-CN" altLang="en-US" sz="2400" dirty="0" smtClean="0"/>
-              <a:t>探索未知的事物</a:t>
-            </a:r>
-            <a:r>
-              <a:rPr lang="zh-CN" altLang="en-US" sz="2400" dirty="0" smtClean="0"/>
-              <a:t>，充满</a:t>
-            </a:r>
-            <a:r>
-              <a:rPr lang="zh-CN" altLang="en-US" sz="2400" dirty="0" smtClean="0"/>
-              <a:t>了</a:t>
-            </a:r>
-            <a:r>
-              <a:rPr lang="zh-CN" altLang="en-US" sz="2400" dirty="0" smtClean="0"/>
-              <a:t>乐趣。</a:t>
+              <a:t>探索未知的事物，充满了乐趣。</a:t>
             </a:r>
             <a:endParaRPr lang="en-US" altLang="zh-CN" sz="2400" dirty="0" smtClean="0"/>
           </a:p>
@@ -12712,6 +12644,18 @@
             <a:r>
               <a:rPr lang="en-US" altLang="zh-CN" sz="1600" dirty="0" err="1" smtClean="0"/>
               <a:t>vpn</a:t>
+            </a:r>
+            <a:r>
+              <a:rPr lang="zh-CN" altLang="en-US" sz="1600" dirty="0" smtClean="0"/>
+              <a:t>类</a:t>
+            </a:r>
+            <a:r>
+              <a:rPr lang="zh-CN" altLang="en-US" sz="1600" dirty="0" smtClean="0"/>
+              <a:t>，</a:t>
+            </a:r>
+            <a:r>
+              <a:rPr lang="en-US" altLang="zh-CN" sz="1600" dirty="0" smtClean="0"/>
+              <a:t>tunnel</a:t>
             </a:r>
             <a:r>
               <a:rPr lang="zh-CN" altLang="en-US" sz="1600" dirty="0" smtClean="0"/>
@@ -14762,21 +14706,6 @@
 </file>
 
 <file path=customXml/item1.xml><?xml version="1.0" encoding="utf-8"?>
-<p:properties xmlns:p="http://schemas.microsoft.com/office/2006/metadata/properties" xmlns:xsi="http://www.w3.org/2001/XMLSchema-instance">
-  <documentManagement/>
-</p:properties>
-</file>
-
-<file path=customXml/item2.xml><?xml version="1.0" encoding="utf-8"?>
-<?mso-contentType ?>
-<FormTemplates xmlns="http://schemas.microsoft.com/sharepoint/v3/contenttype/forms">
-  <Display>DocumentLibraryForm</Display>
-  <Edit>DocumentLibraryForm</Edit>
-  <New>DocumentLibraryForm</New>
-</FormTemplates>
-</file>
-
-<file path=customXml/item3.xml><?xml version="1.0" encoding="utf-8"?>
 <ct:contentTypeSchema xmlns:ct="http://schemas.microsoft.com/office/2006/metadata/contentType" xmlns:ma="http://schemas.microsoft.com/office/2006/metadata/properties/metaAttributes" ct:_="" ma:_="" ma:contentTypeName="文档" ma:contentTypeID="0x010100B73800262A4FA145BD0CA523E8D719A9" ma:contentTypeVersion="1" ma:contentTypeDescription="新建文档。" ma:contentTypeScope="" ma:versionID="3565e779b7037ce77d98dd57353f192f">
   <xsd:schema xmlns:xsd="http://www.w3.org/2001/XMLSchema" xmlns:p="http://schemas.microsoft.com/office/2006/metadata/properties" targetNamespace="http://schemas.microsoft.com/office/2006/metadata/properties" ma:root="true" ma:fieldsID="b51e50da1bca0add1c6bbfbefcbaaafa">
     <xsd:element name="properties">
@@ -14825,10 +14754,32 @@
 </ct:contentTypeSchema>
 </file>
 
+<file path=customXml/item2.xml><?xml version="1.0" encoding="utf-8"?>
+<?mso-contentType ?>
+<FormTemplates xmlns="http://schemas.microsoft.com/sharepoint/v3/contenttype/forms">
+  <Display>DocumentLibraryForm</Display>
+  <Edit>DocumentLibraryForm</Edit>
+  <New>DocumentLibraryForm</New>
+</FormTemplates>
+</file>
+
+<file path=customXml/item3.xml><?xml version="1.0" encoding="utf-8"?>
+<p:properties xmlns:p="http://schemas.microsoft.com/office/2006/metadata/properties" xmlns:xsi="http://www.w3.org/2001/XMLSchema-instance">
+  <documentManagement/>
+</p:properties>
+</file>
+
 <file path=customXml/itemProps1.xml><?xml version="1.0" encoding="utf-8"?>
-<ds:datastoreItem xmlns:ds="http://schemas.openxmlformats.org/officeDocument/2006/customXml" ds:itemID="{FCD5B357-AA76-4155-B536-A6E4D963C16C}">
+<ds:datastoreItem xmlns:ds="http://schemas.openxmlformats.org/officeDocument/2006/customXml" ds:itemID="{6C69F3D2-9DAF-4AC2-A8EB-48CE3D4A6ECB}">
   <ds:schemaRefs>
+    <ds:schemaRef ds:uri="http://schemas.microsoft.com/office/2006/metadata/contentType"/>
+    <ds:schemaRef ds:uri="http://schemas.microsoft.com/office/2006/metadata/properties/metaAttributes"/>
+    <ds:schemaRef ds:uri="http://www.w3.org/2001/XMLSchema"/>
     <ds:schemaRef ds:uri="http://schemas.microsoft.com/office/2006/metadata/properties"/>
+    <ds:schemaRef ds:uri="http://schemas.openxmlformats.org/package/2006/metadata/core-properties"/>
+    <ds:schemaRef ds:uri="http://purl.org/dc/elements/1.1/"/>
+    <ds:schemaRef ds:uri="http://purl.org/dc/terms/"/>
+    <ds:schemaRef ds:uri="http://schemas.microsoft.com/office/internal/2005/internalDocumentation"/>
   </ds:schemaRefs>
 </ds:datastoreItem>
 </file>
@@ -14842,16 +14793,9 @@
 </file>
 
 <file path=customXml/itemProps3.xml><?xml version="1.0" encoding="utf-8"?>
-<ds:datastoreItem xmlns:ds="http://schemas.openxmlformats.org/officeDocument/2006/customXml" ds:itemID="{6C69F3D2-9DAF-4AC2-A8EB-48CE3D4A6ECB}">
+<ds:datastoreItem xmlns:ds="http://schemas.openxmlformats.org/officeDocument/2006/customXml" ds:itemID="{FCD5B357-AA76-4155-B536-A6E4D963C16C}">
   <ds:schemaRefs>
-    <ds:schemaRef ds:uri="http://schemas.microsoft.com/office/2006/metadata/contentType"/>
-    <ds:schemaRef ds:uri="http://schemas.microsoft.com/office/2006/metadata/properties/metaAttributes"/>
-    <ds:schemaRef ds:uri="http://www.w3.org/2001/XMLSchema"/>
     <ds:schemaRef ds:uri="http://schemas.microsoft.com/office/2006/metadata/properties"/>
-    <ds:schemaRef ds:uri="http://schemas.openxmlformats.org/package/2006/metadata/core-properties"/>
-    <ds:schemaRef ds:uri="http://purl.org/dc/elements/1.1/"/>
-    <ds:schemaRef ds:uri="http://purl.org/dc/terms/"/>
-    <ds:schemaRef ds:uri="http://schemas.microsoft.com/office/internal/2005/internalDocumentation"/>
   </ds:schemaRefs>
 </ds:datastoreItem>
 </file>